--- a/Analisis Antonio/Graficas.pptx
+++ b/Analisis Antonio/Graficas.pptx
@@ -107,6 +107,11 @@
       </a:defRPr>
     </a:lvl9pPr>
   </p:defaultTextStyle>
+  <p:extLst>
+    <p:ext uri="{EFAFB233-063F-42B5-8137-9DF3F51BA10A}">
+      <p15:sldGuideLst xmlns:p15="http://schemas.microsoft.com/office/powerpoint/2012/main"/>
+    </p:ext>
+  </p:extLst>
 </p:presentation>
 </file>
 
@@ -259,7 +264,7 @@
           <a:p>
             <a:fld id="{656CC5B3-A802-4A30-AC1D-E2239D062B86}" type="datetimeFigureOut">
               <a:rPr lang="es-MX" smtClean="0"/>
-              <a:t>14/09/2023</a:t>
+              <a:t>15/09/2023</a:t>
             </a:fld>
             <a:endParaRPr lang="es-MX"/>
           </a:p>
@@ -459,7 +464,7 @@
           <a:p>
             <a:fld id="{656CC5B3-A802-4A30-AC1D-E2239D062B86}" type="datetimeFigureOut">
               <a:rPr lang="es-MX" smtClean="0"/>
-              <a:t>14/09/2023</a:t>
+              <a:t>15/09/2023</a:t>
             </a:fld>
             <a:endParaRPr lang="es-MX"/>
           </a:p>
@@ -669,7 +674,7 @@
           <a:p>
             <a:fld id="{656CC5B3-A802-4A30-AC1D-E2239D062B86}" type="datetimeFigureOut">
               <a:rPr lang="es-MX" smtClean="0"/>
-              <a:t>14/09/2023</a:t>
+              <a:t>15/09/2023</a:t>
             </a:fld>
             <a:endParaRPr lang="es-MX"/>
           </a:p>
@@ -869,7 +874,7 @@
           <a:p>
             <a:fld id="{656CC5B3-A802-4A30-AC1D-E2239D062B86}" type="datetimeFigureOut">
               <a:rPr lang="es-MX" smtClean="0"/>
-              <a:t>14/09/2023</a:t>
+              <a:t>15/09/2023</a:t>
             </a:fld>
             <a:endParaRPr lang="es-MX"/>
           </a:p>
@@ -1145,7 +1150,7 @@
           <a:p>
             <a:fld id="{656CC5B3-A802-4A30-AC1D-E2239D062B86}" type="datetimeFigureOut">
               <a:rPr lang="es-MX" smtClean="0"/>
-              <a:t>14/09/2023</a:t>
+              <a:t>15/09/2023</a:t>
             </a:fld>
             <a:endParaRPr lang="es-MX"/>
           </a:p>
@@ -1413,7 +1418,7 @@
           <a:p>
             <a:fld id="{656CC5B3-A802-4A30-AC1D-E2239D062B86}" type="datetimeFigureOut">
               <a:rPr lang="es-MX" smtClean="0"/>
-              <a:t>14/09/2023</a:t>
+              <a:t>15/09/2023</a:t>
             </a:fld>
             <a:endParaRPr lang="es-MX"/>
           </a:p>
@@ -1828,7 +1833,7 @@
           <a:p>
             <a:fld id="{656CC5B3-A802-4A30-AC1D-E2239D062B86}" type="datetimeFigureOut">
               <a:rPr lang="es-MX" smtClean="0"/>
-              <a:t>14/09/2023</a:t>
+              <a:t>15/09/2023</a:t>
             </a:fld>
             <a:endParaRPr lang="es-MX"/>
           </a:p>
@@ -1970,7 +1975,7 @@
           <a:p>
             <a:fld id="{656CC5B3-A802-4A30-AC1D-E2239D062B86}" type="datetimeFigureOut">
               <a:rPr lang="es-MX" smtClean="0"/>
-              <a:t>14/09/2023</a:t>
+              <a:t>15/09/2023</a:t>
             </a:fld>
             <a:endParaRPr lang="es-MX"/>
           </a:p>
@@ -2083,7 +2088,7 @@
           <a:p>
             <a:fld id="{656CC5B3-A802-4A30-AC1D-E2239D062B86}" type="datetimeFigureOut">
               <a:rPr lang="es-MX" smtClean="0"/>
-              <a:t>14/09/2023</a:t>
+              <a:t>15/09/2023</a:t>
             </a:fld>
             <a:endParaRPr lang="es-MX"/>
           </a:p>
@@ -2396,7 +2401,7 @@
           <a:p>
             <a:fld id="{656CC5B3-A802-4A30-AC1D-E2239D062B86}" type="datetimeFigureOut">
               <a:rPr lang="es-MX" smtClean="0"/>
-              <a:t>14/09/2023</a:t>
+              <a:t>15/09/2023</a:t>
             </a:fld>
             <a:endParaRPr lang="es-MX"/>
           </a:p>
@@ -2685,7 +2690,7 @@
           <a:p>
             <a:fld id="{656CC5B3-A802-4A30-AC1D-E2239D062B86}" type="datetimeFigureOut">
               <a:rPr lang="es-MX" smtClean="0"/>
-              <a:t>14/09/2023</a:t>
+              <a:t>15/09/2023</a:t>
             </a:fld>
             <a:endParaRPr lang="es-MX"/>
           </a:p>
@@ -2928,7 +2933,7 @@
           <a:p>
             <a:fld id="{656CC5B3-A802-4A30-AC1D-E2239D062B86}" type="datetimeFigureOut">
               <a:rPr lang="es-MX" smtClean="0"/>
-              <a:t>14/09/2023</a:t>
+              <a:t>15/09/2023</a:t>
             </a:fld>
             <a:endParaRPr lang="es-MX"/>
           </a:p>
@@ -3724,10 +3729,10 @@
       </p:pic>
       <p:pic>
         <p:nvPicPr>
-          <p:cNvPr id="9" name="Imagen 8">
-            <a:extLst>
-              <a:ext uri="{FF2B5EF4-FFF2-40B4-BE49-F238E27FC236}">
-                <a16:creationId xmlns:a16="http://schemas.microsoft.com/office/drawing/2014/main" id="{B6349D2F-F7CB-D556-FD56-9D0D595236CF}"/>
+          <p:cNvPr id="2" name="Imagen 1">
+            <a:extLst>
+              <a:ext uri="{FF2B5EF4-FFF2-40B4-BE49-F238E27FC236}">
+                <a16:creationId xmlns:a16="http://schemas.microsoft.com/office/drawing/2014/main" id="{EDE2D573-5F21-E29B-E65E-03B0F2837E3D}"/>
               </a:ext>
             </a:extLst>
           </p:cNvPr>
@@ -3744,8 +3749,8 @@
         </p:blipFill>
         <p:spPr>
           <a:xfrm>
-            <a:off x="3502770" y="3559049"/>
-            <a:ext cx="4185653" cy="3006414"/>
+            <a:off x="3634902" y="3429000"/>
+            <a:ext cx="4180793" cy="3222695"/>
           </a:xfrm>
           <a:prstGeom prst="rect">
             <a:avLst/>

--- a/Analisis Antonio/Graficas.pptx
+++ b/Analisis Antonio/Graficas.pptx
@@ -9,6 +9,8 @@
     <p:sldId id="258" r:id="rId3"/>
     <p:sldId id="259" r:id="rId4"/>
     <p:sldId id="256" r:id="rId5"/>
+    <p:sldId id="260" r:id="rId6"/>
+    <p:sldId id="261" r:id="rId7"/>
   </p:sldIdLst>
   <p:sldSz cx="12192000" cy="6858000"/>
   <p:notesSz cx="6858000" cy="9144000"/>
@@ -264,7 +266,7 @@
           <a:p>
             <a:fld id="{656CC5B3-A802-4A30-AC1D-E2239D062B86}" type="datetimeFigureOut">
               <a:rPr lang="es-MX" smtClean="0"/>
-              <a:t>15/09/2023</a:t>
+              <a:t>22/09/2023</a:t>
             </a:fld>
             <a:endParaRPr lang="es-MX"/>
           </a:p>
@@ -464,7 +466,7 @@
           <a:p>
             <a:fld id="{656CC5B3-A802-4A30-AC1D-E2239D062B86}" type="datetimeFigureOut">
               <a:rPr lang="es-MX" smtClean="0"/>
-              <a:t>15/09/2023</a:t>
+              <a:t>22/09/2023</a:t>
             </a:fld>
             <a:endParaRPr lang="es-MX"/>
           </a:p>
@@ -674,7 +676,7 @@
           <a:p>
             <a:fld id="{656CC5B3-A802-4A30-AC1D-E2239D062B86}" type="datetimeFigureOut">
               <a:rPr lang="es-MX" smtClean="0"/>
-              <a:t>15/09/2023</a:t>
+              <a:t>22/09/2023</a:t>
             </a:fld>
             <a:endParaRPr lang="es-MX"/>
           </a:p>
@@ -874,7 +876,7 @@
           <a:p>
             <a:fld id="{656CC5B3-A802-4A30-AC1D-E2239D062B86}" type="datetimeFigureOut">
               <a:rPr lang="es-MX" smtClean="0"/>
-              <a:t>15/09/2023</a:t>
+              <a:t>22/09/2023</a:t>
             </a:fld>
             <a:endParaRPr lang="es-MX"/>
           </a:p>
@@ -1150,7 +1152,7 @@
           <a:p>
             <a:fld id="{656CC5B3-A802-4A30-AC1D-E2239D062B86}" type="datetimeFigureOut">
               <a:rPr lang="es-MX" smtClean="0"/>
-              <a:t>15/09/2023</a:t>
+              <a:t>22/09/2023</a:t>
             </a:fld>
             <a:endParaRPr lang="es-MX"/>
           </a:p>
@@ -1418,7 +1420,7 @@
           <a:p>
             <a:fld id="{656CC5B3-A802-4A30-AC1D-E2239D062B86}" type="datetimeFigureOut">
               <a:rPr lang="es-MX" smtClean="0"/>
-              <a:t>15/09/2023</a:t>
+              <a:t>22/09/2023</a:t>
             </a:fld>
             <a:endParaRPr lang="es-MX"/>
           </a:p>
@@ -1833,7 +1835,7 @@
           <a:p>
             <a:fld id="{656CC5B3-A802-4A30-AC1D-E2239D062B86}" type="datetimeFigureOut">
               <a:rPr lang="es-MX" smtClean="0"/>
-              <a:t>15/09/2023</a:t>
+              <a:t>22/09/2023</a:t>
             </a:fld>
             <a:endParaRPr lang="es-MX"/>
           </a:p>
@@ -1975,7 +1977,7 @@
           <a:p>
             <a:fld id="{656CC5B3-A802-4A30-AC1D-E2239D062B86}" type="datetimeFigureOut">
               <a:rPr lang="es-MX" smtClean="0"/>
-              <a:t>15/09/2023</a:t>
+              <a:t>22/09/2023</a:t>
             </a:fld>
             <a:endParaRPr lang="es-MX"/>
           </a:p>
@@ -2088,7 +2090,7 @@
           <a:p>
             <a:fld id="{656CC5B3-A802-4A30-AC1D-E2239D062B86}" type="datetimeFigureOut">
               <a:rPr lang="es-MX" smtClean="0"/>
-              <a:t>15/09/2023</a:t>
+              <a:t>22/09/2023</a:t>
             </a:fld>
             <a:endParaRPr lang="es-MX"/>
           </a:p>
@@ -2401,7 +2403,7 @@
           <a:p>
             <a:fld id="{656CC5B3-A802-4A30-AC1D-E2239D062B86}" type="datetimeFigureOut">
               <a:rPr lang="es-MX" smtClean="0"/>
-              <a:t>15/09/2023</a:t>
+              <a:t>22/09/2023</a:t>
             </a:fld>
             <a:endParaRPr lang="es-MX"/>
           </a:p>
@@ -2690,7 +2692,7 @@
           <a:p>
             <a:fld id="{656CC5B3-A802-4A30-AC1D-E2239D062B86}" type="datetimeFigureOut">
               <a:rPr lang="es-MX" smtClean="0"/>
-              <a:t>15/09/2023</a:t>
+              <a:t>22/09/2023</a:t>
             </a:fld>
             <a:endParaRPr lang="es-MX"/>
           </a:p>
@@ -2933,7 +2935,7 @@
           <a:p>
             <a:fld id="{656CC5B3-A802-4A30-AC1D-E2239D062B86}" type="datetimeFigureOut">
               <a:rPr lang="es-MX" smtClean="0"/>
-              <a:t>15/09/2023</a:t>
+              <a:t>22/09/2023</a:t>
             </a:fld>
             <a:endParaRPr lang="es-MX"/>
           </a:p>
@@ -3669,10 +3671,10 @@
       </p:grpSpPr>
       <p:pic>
         <p:nvPicPr>
-          <p:cNvPr id="7" name="Imagen 6">
-            <a:extLst>
-              <a:ext uri="{FF2B5EF4-FFF2-40B4-BE49-F238E27FC236}">
-                <a16:creationId xmlns:a16="http://schemas.microsoft.com/office/drawing/2014/main" id="{A36DD1D0-8604-96AA-2C3F-2D6756532FB3}"/>
+          <p:cNvPr id="2" name="Imagen 1">
+            <a:extLst>
+              <a:ext uri="{FF2B5EF4-FFF2-40B4-BE49-F238E27FC236}">
+                <a16:creationId xmlns:a16="http://schemas.microsoft.com/office/drawing/2014/main" id="{FE95E0B1-2531-589F-B2AD-BCC5AE843B02}"/>
               </a:ext>
             </a:extLst>
           </p:cNvPr>
@@ -3689,68 +3691,8 @@
         </p:blipFill>
         <p:spPr>
           <a:xfrm>
-            <a:off x="577819" y="312575"/>
-            <a:ext cx="4180793" cy="3006413"/>
-          </a:xfrm>
-          <a:prstGeom prst="rect">
-            <a:avLst/>
-          </a:prstGeom>
-        </p:spPr>
-      </p:pic>
-      <p:pic>
-        <p:nvPicPr>
-          <p:cNvPr id="8" name="Imagen 7">
-            <a:extLst>
-              <a:ext uri="{FF2B5EF4-FFF2-40B4-BE49-F238E27FC236}">
-                <a16:creationId xmlns:a16="http://schemas.microsoft.com/office/drawing/2014/main" id="{4D6D915E-4A89-7414-E466-95AD8548A9AC}"/>
-              </a:ext>
-            </a:extLst>
-          </p:cNvPr>
-          <p:cNvPicPr>
-            <a:picLocks noChangeAspect="1"/>
-          </p:cNvPicPr>
-          <p:nvPr/>
-        </p:nvPicPr>
-        <p:blipFill>
-          <a:blip r:embed="rId3"/>
-          <a:stretch>
-            <a:fillRect/>
-          </a:stretch>
-        </p:blipFill>
-        <p:spPr>
-          <a:xfrm>
-            <a:off x="6527831" y="312575"/>
-            <a:ext cx="4180793" cy="3006413"/>
-          </a:xfrm>
-          <a:prstGeom prst="rect">
-            <a:avLst/>
-          </a:prstGeom>
-        </p:spPr>
-      </p:pic>
-      <p:pic>
-        <p:nvPicPr>
-          <p:cNvPr id="2" name="Imagen 1">
-            <a:extLst>
-              <a:ext uri="{FF2B5EF4-FFF2-40B4-BE49-F238E27FC236}">
-                <a16:creationId xmlns:a16="http://schemas.microsoft.com/office/drawing/2014/main" id="{EDE2D573-5F21-E29B-E65E-03B0F2837E3D}"/>
-              </a:ext>
-            </a:extLst>
-          </p:cNvPr>
-          <p:cNvPicPr>
-            <a:picLocks noChangeAspect="1"/>
-          </p:cNvPicPr>
-          <p:nvPr/>
-        </p:nvPicPr>
-        <p:blipFill>
-          <a:blip r:embed="rId4"/>
-          <a:stretch>
-            <a:fillRect/>
-          </a:stretch>
-        </p:blipFill>
-        <p:spPr>
-          <a:xfrm>
-            <a:off x="3634902" y="3429000"/>
-            <a:ext cx="4180793" cy="3222695"/>
+            <a:off x="1772428" y="1279848"/>
+            <a:ext cx="6743700" cy="3962400"/>
           </a:xfrm>
           <a:prstGeom prst="rect">
             <a:avLst/>
@@ -3761,6 +3703,126 @@
     <p:extLst>
       <p:ext uri="{BB962C8B-B14F-4D97-AF65-F5344CB8AC3E}">
         <p14:creationId xmlns:p14="http://schemas.microsoft.com/office/powerpoint/2010/main" val="3352229053"/>
+      </p:ext>
+    </p:extLst>
+  </p:cSld>
+  <p:clrMapOvr>
+    <a:masterClrMapping/>
+  </p:clrMapOvr>
+</p:sld>
+</file>
+
+<file path=ppt/slides/slide5.xml><?xml version="1.0" encoding="utf-8"?>
+<p:sld xmlns:a="http://schemas.openxmlformats.org/drawingml/2006/main" xmlns:r="http://schemas.openxmlformats.org/officeDocument/2006/relationships" xmlns:p="http://schemas.openxmlformats.org/presentationml/2006/main">
+  <p:cSld>
+    <p:spTree>
+      <p:nvGrpSpPr>
+        <p:cNvPr id="1" name=""/>
+        <p:cNvGrpSpPr/>
+        <p:nvPr/>
+      </p:nvGrpSpPr>
+      <p:grpSpPr>
+        <a:xfrm>
+          <a:off x="0" y="0"/>
+          <a:ext cx="0" cy="0"/>
+          <a:chOff x="0" y="0"/>
+          <a:chExt cx="0" cy="0"/>
+        </a:xfrm>
+      </p:grpSpPr>
+      <p:pic>
+        <p:nvPicPr>
+          <p:cNvPr id="2" name="Imagen 1">
+            <a:extLst>
+              <a:ext uri="{FF2B5EF4-FFF2-40B4-BE49-F238E27FC236}">
+                <a16:creationId xmlns:a16="http://schemas.microsoft.com/office/drawing/2014/main" id="{5D4CC55A-208C-F669-B5F9-DAB138112B5B}"/>
+              </a:ext>
+            </a:extLst>
+          </p:cNvPr>
+          <p:cNvPicPr>
+            <a:picLocks noChangeAspect="1"/>
+          </p:cNvPicPr>
+          <p:nvPr/>
+        </p:nvPicPr>
+        <p:blipFill>
+          <a:blip r:embed="rId2"/>
+          <a:stretch>
+            <a:fillRect/>
+          </a:stretch>
+        </p:blipFill>
+        <p:spPr>
+          <a:xfrm>
+            <a:off x="2724150" y="1447800"/>
+            <a:ext cx="6743700" cy="3962400"/>
+          </a:xfrm>
+          <a:prstGeom prst="rect">
+            <a:avLst/>
+          </a:prstGeom>
+        </p:spPr>
+      </p:pic>
+    </p:spTree>
+    <p:extLst>
+      <p:ext uri="{BB962C8B-B14F-4D97-AF65-F5344CB8AC3E}">
+        <p14:creationId xmlns:p14="http://schemas.microsoft.com/office/powerpoint/2010/main" val="2972176036"/>
+      </p:ext>
+    </p:extLst>
+  </p:cSld>
+  <p:clrMapOvr>
+    <a:masterClrMapping/>
+  </p:clrMapOvr>
+</p:sld>
+</file>
+
+<file path=ppt/slides/slide6.xml><?xml version="1.0" encoding="utf-8"?>
+<p:sld xmlns:a="http://schemas.openxmlformats.org/drawingml/2006/main" xmlns:r="http://schemas.openxmlformats.org/officeDocument/2006/relationships" xmlns:p="http://schemas.openxmlformats.org/presentationml/2006/main">
+  <p:cSld>
+    <p:spTree>
+      <p:nvGrpSpPr>
+        <p:cNvPr id="1" name=""/>
+        <p:cNvGrpSpPr/>
+        <p:nvPr/>
+      </p:nvGrpSpPr>
+      <p:grpSpPr>
+        <a:xfrm>
+          <a:off x="0" y="0"/>
+          <a:ext cx="0" cy="0"/>
+          <a:chOff x="0" y="0"/>
+          <a:chExt cx="0" cy="0"/>
+        </a:xfrm>
+      </p:grpSpPr>
+      <p:pic>
+        <p:nvPicPr>
+          <p:cNvPr id="2" name="Imagen 1">
+            <a:extLst>
+              <a:ext uri="{FF2B5EF4-FFF2-40B4-BE49-F238E27FC236}">
+                <a16:creationId xmlns:a16="http://schemas.microsoft.com/office/drawing/2014/main" id="{8CBF3428-0601-17B0-CADA-1F8E166B8BB8}"/>
+              </a:ext>
+            </a:extLst>
+          </p:cNvPr>
+          <p:cNvPicPr>
+            <a:picLocks noChangeAspect="1"/>
+          </p:cNvPicPr>
+          <p:nvPr/>
+        </p:nvPicPr>
+        <p:blipFill>
+          <a:blip r:embed="rId2"/>
+          <a:stretch>
+            <a:fillRect/>
+          </a:stretch>
+        </p:blipFill>
+        <p:spPr>
+          <a:xfrm>
+            <a:off x="2724150" y="1447800"/>
+            <a:ext cx="6743700" cy="3962400"/>
+          </a:xfrm>
+          <a:prstGeom prst="rect">
+            <a:avLst/>
+          </a:prstGeom>
+        </p:spPr>
+      </p:pic>
+    </p:spTree>
+    <p:extLst>
+      <p:ext uri="{BB962C8B-B14F-4D97-AF65-F5344CB8AC3E}">
+        <p14:creationId xmlns:p14="http://schemas.microsoft.com/office/powerpoint/2010/main" val="342024348"/>
       </p:ext>
     </p:extLst>
   </p:cSld>
